--- a/StringClass.pptx
+++ b/StringClass.pptx
@@ -32,7 +32,10 @@
     <p:sldId id="280" r:id="rId26"/>
     <p:sldId id="281" r:id="rId27"/>
     <p:sldId id="282" r:id="rId28"/>
-    <p:sldId id="283" r:id="rId29"/>
+    <p:sldId id="284" r:id="rId29"/>
+    <p:sldId id="285" r:id="rId30"/>
+    <p:sldId id="286" r:id="rId31"/>
+    <p:sldId id="287" r:id="rId32"/>
   </p:sldIdLst>
   <p:sldSz cx="12192000" cy="6858000"/>
   <p:notesSz cx="6858000" cy="9144000"/>
@@ -286,7 +289,7 @@
           <a:p>
             <a:fld id="{34D59D3F-2FBD-4165-807C-B0CDA01B7B8A}" type="datetimeFigureOut">
               <a:rPr lang="en-US" smtClean="0"/>
-              <a:t>10/6/2022</a:t>
+              <a:t>10/13/2022</a:t>
             </a:fld>
             <a:endParaRPr lang="en-US"/>
           </a:p>
@@ -484,7 +487,7 @@
           <a:p>
             <a:fld id="{34D59D3F-2FBD-4165-807C-B0CDA01B7B8A}" type="datetimeFigureOut">
               <a:rPr lang="en-US" smtClean="0"/>
-              <a:t>10/6/2022</a:t>
+              <a:t>10/13/2022</a:t>
             </a:fld>
             <a:endParaRPr lang="en-US"/>
           </a:p>
@@ -692,7 +695,7 @@
           <a:p>
             <a:fld id="{34D59D3F-2FBD-4165-807C-B0CDA01B7B8A}" type="datetimeFigureOut">
               <a:rPr lang="en-US" smtClean="0"/>
-              <a:t>10/6/2022</a:t>
+              <a:t>10/13/2022</a:t>
             </a:fld>
             <a:endParaRPr lang="en-US"/>
           </a:p>
@@ -890,7 +893,7 @@
           <a:p>
             <a:fld id="{34D59D3F-2FBD-4165-807C-B0CDA01B7B8A}" type="datetimeFigureOut">
               <a:rPr lang="en-US" smtClean="0"/>
-              <a:t>10/6/2022</a:t>
+              <a:t>10/13/2022</a:t>
             </a:fld>
             <a:endParaRPr lang="en-US"/>
           </a:p>
@@ -1165,7 +1168,7 @@
           <a:p>
             <a:fld id="{34D59D3F-2FBD-4165-807C-B0CDA01B7B8A}" type="datetimeFigureOut">
               <a:rPr lang="en-US" smtClean="0"/>
-              <a:t>10/6/2022</a:t>
+              <a:t>10/13/2022</a:t>
             </a:fld>
             <a:endParaRPr lang="en-US"/>
           </a:p>
@@ -1430,7 +1433,7 @@
           <a:p>
             <a:fld id="{34D59D3F-2FBD-4165-807C-B0CDA01B7B8A}" type="datetimeFigureOut">
               <a:rPr lang="en-US" smtClean="0"/>
-              <a:t>10/6/2022</a:t>
+              <a:t>10/13/2022</a:t>
             </a:fld>
             <a:endParaRPr lang="en-US"/>
           </a:p>
@@ -1842,7 +1845,7 @@
           <a:p>
             <a:fld id="{34D59D3F-2FBD-4165-807C-B0CDA01B7B8A}" type="datetimeFigureOut">
               <a:rPr lang="en-US" smtClean="0"/>
-              <a:t>10/6/2022</a:t>
+              <a:t>10/13/2022</a:t>
             </a:fld>
             <a:endParaRPr lang="en-US"/>
           </a:p>
@@ -1983,7 +1986,7 @@
           <a:p>
             <a:fld id="{34D59D3F-2FBD-4165-807C-B0CDA01B7B8A}" type="datetimeFigureOut">
               <a:rPr lang="en-US" smtClean="0"/>
-              <a:t>10/6/2022</a:t>
+              <a:t>10/13/2022</a:t>
             </a:fld>
             <a:endParaRPr lang="en-US"/>
           </a:p>
@@ -2096,7 +2099,7 @@
           <a:p>
             <a:fld id="{34D59D3F-2FBD-4165-807C-B0CDA01B7B8A}" type="datetimeFigureOut">
               <a:rPr lang="en-US" smtClean="0"/>
-              <a:t>10/6/2022</a:t>
+              <a:t>10/13/2022</a:t>
             </a:fld>
             <a:endParaRPr lang="en-US"/>
           </a:p>
@@ -2407,7 +2410,7 @@
           <a:p>
             <a:fld id="{34D59D3F-2FBD-4165-807C-B0CDA01B7B8A}" type="datetimeFigureOut">
               <a:rPr lang="en-US" smtClean="0"/>
-              <a:t>10/6/2022</a:t>
+              <a:t>10/13/2022</a:t>
             </a:fld>
             <a:endParaRPr lang="en-US"/>
           </a:p>
@@ -2695,7 +2698,7 @@
           <a:p>
             <a:fld id="{34D59D3F-2FBD-4165-807C-B0CDA01B7B8A}" type="datetimeFigureOut">
               <a:rPr lang="en-US" smtClean="0"/>
-              <a:t>10/6/2022</a:t>
+              <a:t>10/13/2022</a:t>
             </a:fld>
             <a:endParaRPr lang="en-US"/>
           </a:p>
@@ -2936,7 +2939,7 @@
           <a:p>
             <a:fld id="{34D59D3F-2FBD-4165-807C-B0CDA01B7B8A}" type="datetimeFigureOut">
               <a:rPr lang="en-US" smtClean="0"/>
-              <a:t>10/6/2022</a:t>
+              <a:t>10/13/2022</a:t>
             </a:fld>
             <a:endParaRPr lang="en-US"/>
           </a:p>
@@ -9076,10 +9079,562 @@
           <a:chExt cx="0" cy="0"/>
         </a:xfrm>
       </p:grpSpPr>
+      <p:sp>
+        <p:nvSpPr>
+          <p:cNvPr id="3" name="TextBox 2">
+            <a:extLst>
+              <a:ext uri="{FF2B5EF4-FFF2-40B4-BE49-F238E27FC236}">
+                <a16:creationId xmlns:a16="http://schemas.microsoft.com/office/drawing/2014/main" id="{5A9E98BE-8CF4-4D0E-9817-A6B920546241}"/>
+              </a:ext>
+            </a:extLst>
+          </p:cNvPr>
+          <p:cNvSpPr txBox="1"/>
+          <p:nvPr/>
+        </p:nvSpPr>
+        <p:spPr>
+          <a:xfrm>
+            <a:off x="76200" y="0"/>
+            <a:ext cx="11972925" cy="7048083"/>
+          </a:xfrm>
+          <a:prstGeom prst="rect">
+            <a:avLst/>
+          </a:prstGeom>
+          <a:noFill/>
+        </p:spPr>
+        <p:txBody>
+          <a:bodyPr wrap="square" rtlCol="0">
+            <a:spAutoFit/>
+          </a:bodyPr>
+          <a:lstStyle/>
+          <a:p>
+            <a:r>
+              <a:rPr lang="en-US" sz="2400" b="1" dirty="0"/>
+              <a:t>Interning of String Objects :</a:t>
+            </a:r>
+          </a:p>
+          <a:p>
+            <a:r>
+              <a:rPr lang="en-US" dirty="0"/>
+              <a:t>By using heap object reference if we want to get corresponding SCP object reference then we should go for intern method .</a:t>
+            </a:r>
+          </a:p>
+          <a:p>
+            <a:endParaRPr lang="en-US" dirty="0"/>
+          </a:p>
+          <a:p>
+            <a:r>
+              <a:rPr lang="en-US" dirty="0"/>
+              <a:t>public class Test{</a:t>
+            </a:r>
+          </a:p>
+          <a:p>
+            <a:r>
+              <a:rPr lang="en-US" dirty="0"/>
+              <a:t>	public static void main(String[] </a:t>
+            </a:r>
+            <a:r>
+              <a:rPr lang="en-US" dirty="0" err="1"/>
+              <a:t>args</a:t>
+            </a:r>
+            <a:r>
+              <a:rPr lang="en-US" dirty="0"/>
+              <a:t>) {</a:t>
+            </a:r>
+          </a:p>
+          <a:p>
+            <a:r>
+              <a:rPr lang="en-US" dirty="0"/>
+              <a:t>			String s1 = new String("Akhil");</a:t>
+            </a:r>
+          </a:p>
+          <a:p>
+            <a:r>
+              <a:rPr lang="en-US" dirty="0"/>
+              <a:t>			String s2 = s1.intern();</a:t>
+            </a:r>
+          </a:p>
+          <a:p>
+            <a:r>
+              <a:rPr lang="en-US" dirty="0"/>
+              <a:t>			</a:t>
+            </a:r>
+            <a:r>
+              <a:rPr lang="en-US" dirty="0" err="1"/>
+              <a:t>System.out.println</a:t>
+            </a:r>
+            <a:r>
+              <a:rPr lang="en-US" dirty="0"/>
+              <a:t>(s1==s2); // false</a:t>
+            </a:r>
+          </a:p>
+          <a:p>
+            <a:r>
+              <a:rPr lang="en-US" dirty="0"/>
+              <a:t>			String s3 = "Akhil";</a:t>
+            </a:r>
+          </a:p>
+          <a:p>
+            <a:r>
+              <a:rPr lang="en-US" dirty="0"/>
+              <a:t>			</a:t>
+            </a:r>
+            <a:r>
+              <a:rPr lang="en-US" dirty="0" err="1"/>
+              <a:t>System.out.println</a:t>
+            </a:r>
+            <a:r>
+              <a:rPr lang="en-US" dirty="0"/>
+              <a:t>(s2==s3);</a:t>
+            </a:r>
+          </a:p>
+          <a:p>
+            <a:r>
+              <a:rPr lang="en-US" dirty="0"/>
+              <a:t>	} </a:t>
+            </a:r>
+          </a:p>
+          <a:p>
+            <a:r>
+              <a:rPr lang="en-US" dirty="0"/>
+              <a:t>} </a:t>
+            </a:r>
+          </a:p>
+          <a:p>
+            <a:endParaRPr lang="en-US" dirty="0"/>
+          </a:p>
+          <a:p>
+            <a:r>
+              <a:rPr lang="en-US" dirty="0"/>
+              <a:t>If the corresponding </a:t>
+            </a:r>
+            <a:r>
+              <a:rPr lang="en-US" dirty="0" err="1"/>
+              <a:t>scp</a:t>
+            </a:r>
+            <a:r>
+              <a:rPr lang="en-US" dirty="0"/>
+              <a:t> object is not available then intern method itself  will create the corresponding </a:t>
+            </a:r>
+            <a:r>
+              <a:rPr lang="en-US" dirty="0" err="1"/>
+              <a:t>scp</a:t>
+            </a:r>
+            <a:r>
+              <a:rPr lang="en-US" dirty="0"/>
+              <a:t> object </a:t>
+            </a:r>
+          </a:p>
+          <a:p>
+            <a:endParaRPr lang="en-US" dirty="0"/>
+          </a:p>
+          <a:p>
+            <a:r>
+              <a:rPr lang="en-US" sz="1400" dirty="0"/>
+              <a:t>public class Test{</a:t>
+            </a:r>
+          </a:p>
+          <a:p>
+            <a:r>
+              <a:rPr lang="en-US" sz="1400" dirty="0"/>
+              <a:t>	public static void main(String[] </a:t>
+            </a:r>
+            <a:r>
+              <a:rPr lang="en-US" sz="1400" dirty="0" err="1"/>
+              <a:t>args</a:t>
+            </a:r>
+            <a:r>
+              <a:rPr lang="en-US" sz="1400" dirty="0"/>
+              <a:t>) {</a:t>
+            </a:r>
+          </a:p>
+          <a:p>
+            <a:r>
+              <a:rPr lang="en-US" sz="1400" dirty="0"/>
+              <a:t>			String s1 = new String("Akhil");</a:t>
+            </a:r>
+          </a:p>
+          <a:p>
+            <a:r>
+              <a:rPr lang="en-US" sz="1400" dirty="0"/>
+              <a:t>			String s2 = s1.concat("Kumar");</a:t>
+            </a:r>
+          </a:p>
+          <a:p>
+            <a:r>
+              <a:rPr lang="en-US" sz="1400" dirty="0"/>
+              <a:t>			String s3 = s2.intern();</a:t>
+            </a:r>
+          </a:p>
+          <a:p>
+            <a:r>
+              <a:rPr lang="en-US" sz="1400" dirty="0"/>
+              <a:t>			</a:t>
+            </a:r>
+            <a:r>
+              <a:rPr lang="en-US" sz="1400" dirty="0" err="1"/>
+              <a:t>System.out.println</a:t>
+            </a:r>
+            <a:r>
+              <a:rPr lang="en-US" sz="1400" dirty="0"/>
+              <a:t>(s2==s3);</a:t>
+            </a:r>
+          </a:p>
+          <a:p>
+            <a:r>
+              <a:rPr lang="en-US" sz="1400" dirty="0"/>
+              <a:t>			String s4 = "</a:t>
+            </a:r>
+            <a:r>
+              <a:rPr lang="en-US" sz="1400" dirty="0" err="1"/>
+              <a:t>AkhilKumar</a:t>
+            </a:r>
+            <a:r>
+              <a:rPr lang="en-US" sz="1400" dirty="0"/>
+              <a:t>";</a:t>
+            </a:r>
+          </a:p>
+          <a:p>
+            <a:r>
+              <a:rPr lang="en-US" sz="1400" dirty="0"/>
+              <a:t>			</a:t>
+            </a:r>
+            <a:r>
+              <a:rPr lang="en-US" sz="1400" dirty="0" err="1"/>
+              <a:t>System.out.println</a:t>
+            </a:r>
+            <a:r>
+              <a:rPr lang="en-US" sz="1400" dirty="0"/>
+              <a:t>(s3==s4);</a:t>
+            </a:r>
+          </a:p>
+          <a:p>
+            <a:r>
+              <a:rPr lang="en-US" sz="1400" dirty="0"/>
+              <a:t>	} </a:t>
+            </a:r>
+          </a:p>
+          <a:p>
+            <a:r>
+              <a:rPr lang="en-US" sz="1400" dirty="0"/>
+              <a:t>} </a:t>
+            </a:r>
+          </a:p>
+          <a:p>
+            <a:endParaRPr lang="en-US" dirty="0"/>
+          </a:p>
+          <a:p>
+            <a:endParaRPr lang="en-US" dirty="0"/>
+          </a:p>
+        </p:txBody>
+      </p:sp>
+      <p:pic>
+        <p:nvPicPr>
+          <p:cNvPr id="5" name="Picture 4">
+            <a:extLst>
+              <a:ext uri="{FF2B5EF4-FFF2-40B4-BE49-F238E27FC236}">
+                <a16:creationId xmlns:a16="http://schemas.microsoft.com/office/drawing/2014/main" id="{6D3B079B-F6FA-464B-BF8B-D4C75B647E23}"/>
+              </a:ext>
+            </a:extLst>
+          </p:cNvPr>
+          <p:cNvPicPr>
+            <a:picLocks noChangeAspect="1"/>
+          </p:cNvPicPr>
+          <p:nvPr/>
+        </p:nvPicPr>
+        <p:blipFill>
+          <a:blip r:embed="rId2"/>
+          <a:stretch>
+            <a:fillRect/>
+          </a:stretch>
+        </p:blipFill>
+        <p:spPr>
+          <a:xfrm>
+            <a:off x="7562850" y="866775"/>
+            <a:ext cx="2838772" cy="1657350"/>
+          </a:xfrm>
+          <a:prstGeom prst="rect">
+            <a:avLst/>
+          </a:prstGeom>
+        </p:spPr>
+      </p:pic>
+      <p:pic>
+        <p:nvPicPr>
+          <p:cNvPr id="7" name="Picture 6">
+            <a:extLst>
+              <a:ext uri="{FF2B5EF4-FFF2-40B4-BE49-F238E27FC236}">
+                <a16:creationId xmlns:a16="http://schemas.microsoft.com/office/drawing/2014/main" id="{CF1A1096-469B-4372-8335-F6078957B3FC}"/>
+              </a:ext>
+            </a:extLst>
+          </p:cNvPr>
+          <p:cNvPicPr>
+            <a:picLocks noChangeAspect="1"/>
+          </p:cNvPicPr>
+          <p:nvPr/>
+        </p:nvPicPr>
+        <p:blipFill>
+          <a:blip r:embed="rId3"/>
+          <a:stretch>
+            <a:fillRect/>
+          </a:stretch>
+        </p:blipFill>
+        <p:spPr>
+          <a:xfrm>
+            <a:off x="6805570" y="5300616"/>
+            <a:ext cx="600159" cy="604884"/>
+          </a:xfrm>
+          <a:prstGeom prst="rect">
+            <a:avLst/>
+          </a:prstGeom>
+        </p:spPr>
+      </p:pic>
+      <p:pic>
+        <p:nvPicPr>
+          <p:cNvPr id="4" name="Picture 3">
+            <a:extLst>
+              <a:ext uri="{FF2B5EF4-FFF2-40B4-BE49-F238E27FC236}">
+                <a16:creationId xmlns:a16="http://schemas.microsoft.com/office/drawing/2014/main" id="{60D5E60D-954B-4897-8BC9-4682DF822986}"/>
+              </a:ext>
+            </a:extLst>
+          </p:cNvPr>
+          <p:cNvPicPr>
+            <a:picLocks noChangeAspect="1"/>
+          </p:cNvPicPr>
+          <p:nvPr/>
+        </p:nvPicPr>
+        <p:blipFill>
+          <a:blip r:embed="rId4"/>
+          <a:stretch>
+            <a:fillRect/>
+          </a:stretch>
+        </p:blipFill>
+        <p:spPr>
+          <a:xfrm>
+            <a:off x="8404891" y="3952875"/>
+            <a:ext cx="2838771" cy="2457451"/>
+          </a:xfrm>
+          <a:prstGeom prst="rect">
+            <a:avLst/>
+          </a:prstGeom>
+        </p:spPr>
+      </p:pic>
     </p:spTree>
     <p:extLst>
       <p:ext uri="{BB962C8B-B14F-4D97-AF65-F5344CB8AC3E}">
-        <p14:creationId xmlns:p14="http://schemas.microsoft.com/office/powerpoint/2010/main" val="2028260404"/>
+        <p14:creationId xmlns:p14="http://schemas.microsoft.com/office/powerpoint/2010/main" val="323848462"/>
+      </p:ext>
+    </p:extLst>
+  </p:cSld>
+  <p:clrMapOvr>
+    <a:masterClrMapping/>
+  </p:clrMapOvr>
+</p:sld>
+</file>
+
+<file path=ppt/slides/slide29.xml><?xml version="1.0" encoding="utf-8"?>
+<p:sld xmlns:a="http://schemas.openxmlformats.org/drawingml/2006/main" xmlns:r="http://schemas.openxmlformats.org/officeDocument/2006/relationships" xmlns:p="http://schemas.openxmlformats.org/presentationml/2006/main">
+  <p:cSld>
+    <p:spTree>
+      <p:nvGrpSpPr>
+        <p:cNvPr id="1" name=""/>
+        <p:cNvGrpSpPr/>
+        <p:nvPr/>
+      </p:nvGrpSpPr>
+      <p:grpSpPr>
+        <a:xfrm>
+          <a:off x="0" y="0"/>
+          <a:ext cx="0" cy="0"/>
+          <a:chOff x="0" y="0"/>
+          <a:chExt cx="0" cy="0"/>
+        </a:xfrm>
+      </p:grpSpPr>
+      <p:sp>
+        <p:nvSpPr>
+          <p:cNvPr id="2" name="TextBox 1">
+            <a:extLst>
+              <a:ext uri="{FF2B5EF4-FFF2-40B4-BE49-F238E27FC236}">
+                <a16:creationId xmlns:a16="http://schemas.microsoft.com/office/drawing/2014/main" id="{A22005D9-059B-4684-B10D-978AEF185A08}"/>
+              </a:ext>
+            </a:extLst>
+          </p:cNvPr>
+          <p:cNvSpPr txBox="1"/>
+          <p:nvPr/>
+        </p:nvSpPr>
+        <p:spPr>
+          <a:xfrm>
+            <a:off x="133350" y="114300"/>
+            <a:ext cx="11925300" cy="6278642"/>
+          </a:xfrm>
+          <a:prstGeom prst="rect">
+            <a:avLst/>
+          </a:prstGeom>
+          <a:noFill/>
+        </p:spPr>
+        <p:txBody>
+          <a:bodyPr wrap="square" rtlCol="0">
+            <a:spAutoFit/>
+          </a:bodyPr>
+          <a:lstStyle/>
+          <a:p>
+            <a:r>
+              <a:rPr lang="en-US" sz="2400" b="1" dirty="0"/>
+              <a:t>Importance of SCP : </a:t>
+            </a:r>
+          </a:p>
+          <a:p>
+            <a:r>
+              <a:rPr lang="en-US" dirty="0"/>
+              <a:t>Voter Registration form : </a:t>
+            </a:r>
+          </a:p>
+          <a:p>
+            <a:endParaRPr lang="en-US" dirty="0"/>
+          </a:p>
+          <a:p>
+            <a:endParaRPr lang="en-US" dirty="0"/>
+          </a:p>
+          <a:p>
+            <a:r>
+              <a:rPr lang="en-US" dirty="0"/>
+              <a:t>In our program if a String object is repeatedly required then it is not </a:t>
+            </a:r>
+          </a:p>
+          <a:p>
+            <a:r>
+              <a:rPr lang="en-US" dirty="0"/>
+              <a:t>Recommended to create separate object for every requirement </a:t>
+            </a:r>
+          </a:p>
+          <a:p>
+            <a:r>
+              <a:rPr lang="en-US" dirty="0"/>
+              <a:t>Because it creates performance and memory problems </a:t>
+            </a:r>
+          </a:p>
+          <a:p>
+            <a:endParaRPr lang="en-US" dirty="0"/>
+          </a:p>
+          <a:p>
+            <a:r>
+              <a:rPr lang="en-US" dirty="0"/>
+              <a:t>Instead of creating a separate object for every requirement we have to create</a:t>
+            </a:r>
+          </a:p>
+          <a:p>
+            <a:r>
+              <a:rPr lang="en-US" dirty="0"/>
+              <a:t>Only one object and we can reuse the same object for every requirement so </a:t>
+            </a:r>
+          </a:p>
+          <a:p>
+            <a:r>
+              <a:rPr lang="en-US" dirty="0"/>
+              <a:t>That performance and memory utilization will be improved </a:t>
+            </a:r>
+          </a:p>
+          <a:p>
+            <a:endParaRPr lang="en-US" dirty="0"/>
+          </a:p>
+          <a:p>
+            <a:r>
+              <a:rPr lang="en-US" dirty="0"/>
+              <a:t>This thing is possible because of SCP . Hence the main advantages of SCP are: </a:t>
+            </a:r>
+          </a:p>
+          <a:p>
+            <a:endParaRPr lang="en-US" dirty="0"/>
+          </a:p>
+          <a:p>
+            <a:r>
+              <a:rPr lang="en-US" dirty="0"/>
+              <a:t>Memory Utilization and performance will be improved .</a:t>
+            </a:r>
+          </a:p>
+          <a:p>
+            <a:r>
+              <a:rPr lang="en-US" dirty="0"/>
+              <a:t>But the main problem with SCP is as several references pointing to the same </a:t>
+            </a:r>
+          </a:p>
+          <a:p>
+            <a:r>
+              <a:rPr lang="en-US" dirty="0"/>
+              <a:t>Object . By using one reference if we are trying to change the content then </a:t>
+            </a:r>
+          </a:p>
+          <a:p>
+            <a:r>
+              <a:rPr lang="en-US" dirty="0"/>
+              <a:t>Remaining references will be affected . To overcome this problem Sun people</a:t>
+            </a:r>
+          </a:p>
+          <a:p>
+            <a:r>
+              <a:rPr lang="en-US" dirty="0"/>
+              <a:t>Implemented String objects as Immutable . </a:t>
+            </a:r>
+            <a:r>
+              <a:rPr lang="en-US" dirty="0" err="1"/>
+              <a:t>i.e</a:t>
+            </a:r>
+            <a:r>
+              <a:rPr lang="en-US" dirty="0"/>
+              <a:t> . Once we creates a string </a:t>
+            </a:r>
+          </a:p>
+          <a:p>
+            <a:r>
+              <a:rPr lang="en-US" dirty="0"/>
+              <a:t>Object we can’t perform any change in the existing object . If we are trying </a:t>
+            </a:r>
+          </a:p>
+          <a:p>
+            <a:r>
+              <a:rPr lang="en-US" dirty="0"/>
+              <a:t>To perform any changes with those changes a new object will be created. Hence SCP is the only reason for</a:t>
+            </a:r>
+          </a:p>
+          <a:p>
+            <a:r>
+              <a:rPr lang="en-US" dirty="0"/>
+              <a:t>String objects .</a:t>
+            </a:r>
+          </a:p>
+        </p:txBody>
+      </p:sp>
+      <p:pic>
+        <p:nvPicPr>
+          <p:cNvPr id="4" name="Picture 3">
+            <a:extLst>
+              <a:ext uri="{FF2B5EF4-FFF2-40B4-BE49-F238E27FC236}">
+                <a16:creationId xmlns:a16="http://schemas.microsoft.com/office/drawing/2014/main" id="{F99B613D-EA33-48AF-8A47-BA828AFA78E5}"/>
+              </a:ext>
+            </a:extLst>
+          </p:cNvPr>
+          <p:cNvPicPr>
+            <a:picLocks noChangeAspect="1"/>
+          </p:cNvPicPr>
+          <p:nvPr/>
+        </p:nvPicPr>
+        <p:blipFill>
+          <a:blip r:embed="rId2"/>
+          <a:stretch>
+            <a:fillRect/>
+          </a:stretch>
+        </p:blipFill>
+        <p:spPr>
+          <a:xfrm>
+            <a:off x="7364670" y="114301"/>
+            <a:ext cx="4768398" cy="5707380"/>
+          </a:xfrm>
+          <a:prstGeom prst="rect">
+            <a:avLst/>
+          </a:prstGeom>
+        </p:spPr>
+      </p:pic>
+    </p:spTree>
+    <p:extLst>
+      <p:ext uri="{BB962C8B-B14F-4D97-AF65-F5344CB8AC3E}">
+        <p14:creationId xmlns:p14="http://schemas.microsoft.com/office/powerpoint/2010/main" val="3447751791"/>
       </p:ext>
     </p:extLst>
   </p:cSld>
@@ -9314,6 +9869,350 @@
     <p:extLst>
       <p:ext uri="{BB962C8B-B14F-4D97-AF65-F5344CB8AC3E}">
         <p14:creationId xmlns:p14="http://schemas.microsoft.com/office/powerpoint/2010/main" val="1649557799"/>
+      </p:ext>
+    </p:extLst>
+  </p:cSld>
+  <p:clrMapOvr>
+    <a:masterClrMapping/>
+  </p:clrMapOvr>
+</p:sld>
+</file>
+
+<file path=ppt/slides/slide30.xml><?xml version="1.0" encoding="utf-8"?>
+<p:sld xmlns:a="http://schemas.openxmlformats.org/drawingml/2006/main" xmlns:r="http://schemas.openxmlformats.org/officeDocument/2006/relationships" xmlns:p="http://schemas.openxmlformats.org/presentationml/2006/main">
+  <p:cSld>
+    <p:spTree>
+      <p:nvGrpSpPr>
+        <p:cNvPr id="1" name=""/>
+        <p:cNvGrpSpPr/>
+        <p:nvPr/>
+      </p:nvGrpSpPr>
+      <p:grpSpPr>
+        <a:xfrm>
+          <a:off x="0" y="0"/>
+          <a:ext cx="0" cy="0"/>
+          <a:chOff x="0" y="0"/>
+          <a:chExt cx="0" cy="0"/>
+        </a:xfrm>
+      </p:grpSpPr>
+      <p:sp>
+        <p:nvSpPr>
+          <p:cNvPr id="2" name="TextBox 1">
+            <a:extLst>
+              <a:ext uri="{FF2B5EF4-FFF2-40B4-BE49-F238E27FC236}">
+                <a16:creationId xmlns:a16="http://schemas.microsoft.com/office/drawing/2014/main" id="{61B89944-36B9-4FD6-B48E-ED5E8467E810}"/>
+              </a:ext>
+            </a:extLst>
+          </p:cNvPr>
+          <p:cNvSpPr txBox="1"/>
+          <p:nvPr/>
+        </p:nvSpPr>
+        <p:spPr>
+          <a:xfrm>
+            <a:off x="80962" y="76200"/>
+            <a:ext cx="12030075" cy="6740307"/>
+          </a:xfrm>
+          <a:prstGeom prst="rect">
+            <a:avLst/>
+          </a:prstGeom>
+          <a:noFill/>
+        </p:spPr>
+        <p:txBody>
+          <a:bodyPr wrap="square" rtlCol="0">
+            <a:spAutoFit/>
+          </a:bodyPr>
+          <a:lstStyle/>
+          <a:p>
+            <a:r>
+              <a:rPr lang="en-US" dirty="0"/>
+              <a:t>FAQs </a:t>
+            </a:r>
+          </a:p>
+          <a:p>
+            <a:pPr marL="342900" indent="-342900">
+              <a:buAutoNum type="arabicPeriod"/>
+            </a:pPr>
+            <a:r>
+              <a:rPr lang="en-US" dirty="0"/>
+              <a:t>Difference between String and </a:t>
+            </a:r>
+            <a:r>
+              <a:rPr lang="en-US" dirty="0" err="1"/>
+              <a:t>StringBuffer</a:t>
+            </a:r>
+            <a:endParaRPr lang="en-US" dirty="0"/>
+          </a:p>
+          <a:p>
+            <a:pPr marL="342900" indent="-342900">
+              <a:buAutoNum type="arabicPeriod"/>
+            </a:pPr>
+            <a:r>
+              <a:rPr lang="en-US" dirty="0"/>
+              <a:t>Explain about immutability and mutability with an example .</a:t>
+            </a:r>
+          </a:p>
+          <a:p>
+            <a:pPr marL="342900" indent="-342900">
+              <a:buAutoNum type="arabicPeriod"/>
+            </a:pPr>
+            <a:r>
+              <a:rPr lang="en-US" dirty="0"/>
+              <a:t>What is the difference between String s = new String(“</a:t>
+            </a:r>
+            <a:r>
+              <a:rPr lang="en-US" dirty="0" err="1"/>
+              <a:t>durga</a:t>
+            </a:r>
+            <a:r>
+              <a:rPr lang="en-US" dirty="0"/>
+              <a:t>”); and String s = “</a:t>
+            </a:r>
+            <a:r>
+              <a:rPr lang="en-US" dirty="0" err="1"/>
+              <a:t>durga</a:t>
+            </a:r>
+            <a:r>
+              <a:rPr lang="en-US" dirty="0"/>
+              <a:t>”;</a:t>
+            </a:r>
+          </a:p>
+          <a:p>
+            <a:pPr marL="342900" indent="-342900">
+              <a:buAutoNum type="arabicPeriod"/>
+            </a:pPr>
+            <a:endParaRPr lang="en-US" dirty="0"/>
+          </a:p>
+          <a:p>
+            <a:pPr marL="342900" indent="-342900">
+              <a:buAutoNum type="arabicPeriod"/>
+            </a:pPr>
+            <a:r>
+              <a:rPr lang="en-US" dirty="0"/>
+              <a:t>Other than immutability and mutability is any other difference between String and </a:t>
+            </a:r>
+            <a:r>
+              <a:rPr lang="en-US" dirty="0" err="1"/>
+              <a:t>StringBuffer</a:t>
+            </a:r>
+            <a:r>
+              <a:rPr lang="en-US" dirty="0"/>
+              <a:t>?</a:t>
+            </a:r>
+          </a:p>
+          <a:p>
+            <a:pPr marL="342900" indent="-342900">
+              <a:buAutoNum type="arabicPeriod"/>
+            </a:pPr>
+            <a:r>
+              <a:rPr lang="en-US" dirty="0"/>
+              <a:t>What is SCP?== It is specially designed memory area for String Objects </a:t>
+            </a:r>
+          </a:p>
+          <a:p>
+            <a:pPr marL="342900" indent="-342900">
+              <a:buAutoNum type="arabicPeriod"/>
+            </a:pPr>
+            <a:r>
+              <a:rPr lang="en-US" dirty="0"/>
+              <a:t>What is the advantage of  SCP?</a:t>
+            </a:r>
+          </a:p>
+          <a:p>
+            <a:pPr marL="342900" indent="-342900">
+              <a:buAutoNum type="arabicPeriod"/>
+            </a:pPr>
+            <a:r>
+              <a:rPr lang="en-US" dirty="0"/>
+              <a:t>Why SCP like concept is available only for String but not for </a:t>
+            </a:r>
+            <a:r>
+              <a:rPr lang="en-US" dirty="0" err="1"/>
+              <a:t>StringBuffer</a:t>
+            </a:r>
+            <a:r>
+              <a:rPr lang="en-US" dirty="0"/>
+              <a:t> ? = Since String is most commonly used object and hence sun people provided special memory management for String Object where as </a:t>
+            </a:r>
+            <a:r>
+              <a:rPr lang="en-US" dirty="0" err="1"/>
+              <a:t>StringBuffer</a:t>
+            </a:r>
+            <a:r>
+              <a:rPr lang="en-US" dirty="0"/>
+              <a:t> is not commonly used .</a:t>
+            </a:r>
+          </a:p>
+          <a:p>
+            <a:pPr marL="342900" indent="-342900">
+              <a:buAutoNum type="arabicPeriod"/>
+            </a:pPr>
+            <a:r>
+              <a:rPr lang="en-US" dirty="0"/>
+              <a:t>What is the disadvantage of SCP?</a:t>
+            </a:r>
+          </a:p>
+          <a:p>
+            <a:pPr marL="342900" indent="-342900">
+              <a:buAutoNum type="arabicPeriod"/>
+            </a:pPr>
+            <a:r>
+              <a:rPr lang="en-US" dirty="0"/>
+              <a:t>Why String Objects are immutable whereas </a:t>
+            </a:r>
+            <a:r>
+              <a:rPr lang="en-US" dirty="0" err="1"/>
+              <a:t>StringBuffer</a:t>
+            </a:r>
+            <a:r>
+              <a:rPr lang="en-US" dirty="0"/>
+              <a:t> Objects are mutable?  In the case of String because of SCP a single object can be referenced by multiple references .By using one reference if we are allowed to change the content in the existing object then remaining references will be affected . To overcome this problem sun people implemented String objects as immutable .According to this once we creates a string object we can’t perform any changes in the existing object if we are trying to perform any changes with those changes a new object will be created . But in </a:t>
+            </a:r>
+            <a:r>
+              <a:rPr lang="en-US" dirty="0" err="1"/>
+              <a:t>StringBuffer</a:t>
+            </a:r>
+            <a:r>
+              <a:rPr lang="en-US" dirty="0"/>
+              <a:t> there is no concept like SCP . Hence for every requirement a separate object will be created . By using one reference if we are trying to change the content then there is no effect on remaining references Hence immutability concept not required for </a:t>
+            </a:r>
+            <a:r>
+              <a:rPr lang="en-US" dirty="0" err="1"/>
+              <a:t>StringBuffer</a:t>
+            </a:r>
+            <a:endParaRPr lang="en-US" dirty="0"/>
+          </a:p>
+          <a:p>
+            <a:pPr marL="342900" indent="-342900">
+              <a:buAutoNum type="arabicPeriod"/>
+            </a:pPr>
+            <a:r>
+              <a:rPr lang="en-US" dirty="0"/>
+              <a:t>In addition to String Objects any other Objects are immutable in java?   All Wrapper classes </a:t>
+            </a:r>
+          </a:p>
+          <a:p>
+            <a:pPr marL="342900" indent="-342900">
+              <a:buAutoNum type="arabicPeriod"/>
+            </a:pPr>
+            <a:r>
+              <a:rPr lang="en-US" dirty="0"/>
+              <a:t>Is it possible to create our own immutable class. ?</a:t>
+            </a:r>
+          </a:p>
+          <a:p>
+            <a:pPr marL="342900" indent="-342900">
+              <a:buAutoNum type="arabicPeriod"/>
+            </a:pPr>
+            <a:r>
+              <a:rPr lang="en-US" dirty="0"/>
+              <a:t>How to create our own Immutable class . Explain with an example .</a:t>
+            </a:r>
+          </a:p>
+          <a:p>
+            <a:pPr marL="342900" indent="-342900">
+              <a:buAutoNum type="arabicPeriod"/>
+            </a:pPr>
+            <a:r>
+              <a:rPr lang="en-US" dirty="0"/>
+              <a:t>Immutable means non-changeable whereas final means also non-changeable . Then what is the difference between final and immutable ?</a:t>
+            </a:r>
+          </a:p>
+        </p:txBody>
+      </p:sp>
+    </p:spTree>
+    <p:extLst>
+      <p:ext uri="{BB962C8B-B14F-4D97-AF65-F5344CB8AC3E}">
+        <p14:creationId xmlns:p14="http://schemas.microsoft.com/office/powerpoint/2010/main" val="1369039152"/>
+      </p:ext>
+    </p:extLst>
+  </p:cSld>
+  <p:clrMapOvr>
+    <a:masterClrMapping/>
+  </p:clrMapOvr>
+</p:sld>
+</file>
+
+<file path=ppt/slides/slide31.xml><?xml version="1.0" encoding="utf-8"?>
+<p:sld xmlns:a="http://schemas.openxmlformats.org/drawingml/2006/main" xmlns:r="http://schemas.openxmlformats.org/officeDocument/2006/relationships" xmlns:p="http://schemas.openxmlformats.org/presentationml/2006/main">
+  <p:cSld>
+    <p:spTree>
+      <p:nvGrpSpPr>
+        <p:cNvPr id="1" name=""/>
+        <p:cNvGrpSpPr/>
+        <p:nvPr/>
+      </p:nvGrpSpPr>
+      <p:grpSpPr>
+        <a:xfrm>
+          <a:off x="0" y="0"/>
+          <a:ext cx="0" cy="0"/>
+          <a:chOff x="0" y="0"/>
+          <a:chExt cx="0" cy="0"/>
+        </a:xfrm>
+      </p:grpSpPr>
+      <p:pic>
+        <p:nvPicPr>
+          <p:cNvPr id="3" name="Picture 2">
+            <a:extLst>
+              <a:ext uri="{FF2B5EF4-FFF2-40B4-BE49-F238E27FC236}">
+                <a16:creationId xmlns:a16="http://schemas.microsoft.com/office/drawing/2014/main" id="{915075B9-97D1-4B63-9BCF-94AA101031E9}"/>
+              </a:ext>
+            </a:extLst>
+          </p:cNvPr>
+          <p:cNvPicPr>
+            <a:picLocks noChangeAspect="1"/>
+          </p:cNvPicPr>
+          <p:nvPr/>
+        </p:nvPicPr>
+        <p:blipFill>
+          <a:blip r:embed="rId2"/>
+          <a:stretch>
+            <a:fillRect/>
+          </a:stretch>
+        </p:blipFill>
+        <p:spPr>
+          <a:xfrm>
+            <a:off x="914102" y="794996"/>
+            <a:ext cx="4267796" cy="4887007"/>
+          </a:xfrm>
+          <a:prstGeom prst="rect">
+            <a:avLst/>
+          </a:prstGeom>
+        </p:spPr>
+      </p:pic>
+      <p:pic>
+        <p:nvPicPr>
+          <p:cNvPr id="5" name="Picture 4">
+            <a:extLst>
+              <a:ext uri="{FF2B5EF4-FFF2-40B4-BE49-F238E27FC236}">
+                <a16:creationId xmlns:a16="http://schemas.microsoft.com/office/drawing/2014/main" id="{836AFD2E-8681-4542-AB1E-F7AF7C3EBED7}"/>
+              </a:ext>
+            </a:extLst>
+          </p:cNvPr>
+          <p:cNvPicPr>
+            <a:picLocks noChangeAspect="1"/>
+          </p:cNvPicPr>
+          <p:nvPr/>
+        </p:nvPicPr>
+        <p:blipFill>
+          <a:blip r:embed="rId3"/>
+          <a:stretch>
+            <a:fillRect/>
+          </a:stretch>
+        </p:blipFill>
+        <p:spPr>
+          <a:xfrm>
+            <a:off x="6581774" y="1419226"/>
+            <a:ext cx="4406065" cy="4486274"/>
+          </a:xfrm>
+          <a:prstGeom prst="rect">
+            <a:avLst/>
+          </a:prstGeom>
+        </p:spPr>
+      </p:pic>
+    </p:spTree>
+    <p:extLst>
+      <p:ext uri="{BB962C8B-B14F-4D97-AF65-F5344CB8AC3E}">
+        <p14:creationId xmlns:p14="http://schemas.microsoft.com/office/powerpoint/2010/main" val="2724342752"/>
       </p:ext>
     </p:extLst>
   </p:cSld>
